--- a/Presentazioni/GEOx3.pptx
+++ b/Presentazioni/GEOx3.pptx
@@ -6595,12 +6595,14 @@
         </p:nvSpPr>
         <p:spPr>
           <a:xfrm>
-            <a:off x="581192" y="2047949"/>
-            <a:ext cx="5419014" cy="3613150"/>
-          </a:xfrm>
-        </p:spPr>
-        <p:txBody>
-          <a:bodyPr/>
+            <a:off x="581192" y="2047948"/>
+            <a:ext cx="5419014" cy="4021925"/>
+          </a:xfrm>
+        </p:spPr>
+        <p:txBody>
+          <a:bodyPr>
+            <a:normAutofit/>
+          </a:bodyPr>
           <a:lstStyle/>
           <a:p>
             <a:pPr>
@@ -6668,6 +6670,23 @@
                 </a:solidFill>
               </a:rPr>
               <a:t>Scarsa considerazione del sistema di voto dato il possibile interesse della sola fruizione dei contenuti.</a:t>
+            </a:r>
+          </a:p>
+          <a:p>
+            <a:pPr>
+              <a:buClr>
+                <a:srgbClr val="FF0000"/>
+              </a:buClr>
+              <a:buFont typeface="Wingdings" panose="05000000000000000000" pitchFamily="2" charset="2"/>
+              <a:buChar char="q"/>
+            </a:pPr>
+            <a:r>
+              <a:rPr lang="it-IT" dirty="0">
+                <a:solidFill>
+                  <a:schemeClr val="tx1"/>
+                </a:solidFill>
+              </a:rPr>
+              <a:t>La modifica o l’inserimento di altri dati non è automatizzato.</a:t>
             </a:r>
           </a:p>
         </p:txBody>

--- a/Presentazioni/GEOx3.pptx
+++ b/Presentazioni/GEOx3.pptx
@@ -213,7 +213,7 @@
             <a:pPr rtl="0"/>
             <a:fld id="{2AA9324D-736C-4521-902C-E171322BDD32}" type="datetime1">
               <a:rPr lang="it-IT" smtClean="0"/>
-              <a:t>19/05/2020</a:t>
+              <a:t>21/05/2020</a:t>
             </a:fld>
             <a:endParaRPr lang="en-US" dirty="0"/>
           </a:p>
@@ -383,7 +383,7 @@
             <a:pPr rtl="0"/>
             <a:fld id="{C9CDE5A0-E0EA-4E79-8A9D-490C77C3E1D1}" type="datetime1">
               <a:rPr lang="it-IT" smtClean="0"/>
-              <a:t>19/05/2020</a:t>
+              <a:t>21/05/2020</a:t>
             </a:fld>
             <a:endParaRPr lang="en-US"/>
           </a:p>
@@ -897,7 +897,7 @@
             <a:pPr rtl="0"/>
             <a:fld id="{BE6A9DFD-D01D-46F2-9F5D-64CD124556CA}" type="datetime1">
               <a:rPr lang="it-IT" smtClean="0"/>
-              <a:t>19/05/2020</a:t>
+              <a:t>21/05/2020</a:t>
             </a:fld>
             <a:endParaRPr lang="en-US" dirty="0"/>
           </a:p>
@@ -1104,7 +1104,7 @@
             <a:pPr rtl="0"/>
             <a:fld id="{D6985F1D-99DE-4FE8-9093-377AC3915E25}" type="datetime1">
               <a:rPr lang="it-IT" smtClean="0"/>
-              <a:t>19/05/2020</a:t>
+              <a:t>21/05/2020</a:t>
             </a:fld>
             <a:endParaRPr lang="en-US" dirty="0"/>
           </a:p>
@@ -1470,7 +1470,7 @@
             <a:pPr rtl="0"/>
             <a:fld id="{2E24D16E-427E-461B-B316-99E3B1E340F1}" type="datetime1">
               <a:rPr lang="it-IT" smtClean="0"/>
-              <a:t>19/05/2020</a:t>
+              <a:t>21/05/2020</a:t>
             </a:fld>
             <a:endParaRPr lang="en-US" dirty="0"/>
           </a:p>
@@ -1672,7 +1672,7 @@
             <a:pPr rtl="0"/>
             <a:fld id="{FC16C3F1-EAB4-40C7-A804-E4164A432ACC}" type="datetime1">
               <a:rPr lang="it-IT" smtClean="0"/>
-              <a:t>19/05/2020</a:t>
+              <a:t>21/05/2020</a:t>
             </a:fld>
             <a:endParaRPr lang="en-US" dirty="0"/>
           </a:p>
@@ -1988,7 +1988,7 @@
             <a:pPr rtl="0"/>
             <a:fld id="{593AB179-A7B4-4F53-8FBC-DA521D7752CD}" type="datetime1">
               <a:rPr lang="it-IT" smtClean="0"/>
-              <a:t>19/05/2020</a:t>
+              <a:t>21/05/2020</a:t>
             </a:fld>
             <a:endParaRPr lang="en-US" dirty="0"/>
           </a:p>
@@ -2245,7 +2245,7 @@
             <a:pPr rtl="0"/>
             <a:fld id="{2BC475E4-8A13-4296-8284-4EFC212D9D0C}" type="datetime1">
               <a:rPr lang="it-IT" smtClean="0"/>
-              <a:t>19/05/2020</a:t>
+              <a:t>21/05/2020</a:t>
             </a:fld>
             <a:endParaRPr lang="en-US" dirty="0"/>
           </a:p>
@@ -2671,7 +2671,7 @@
             <a:pPr rtl="0"/>
             <a:fld id="{2EDAC308-8BE6-45DD-8B68-B04D02410B09}" type="datetime1">
               <a:rPr lang="it-IT" smtClean="0"/>
-              <a:t>19/05/2020</a:t>
+              <a:t>21/05/2020</a:t>
             </a:fld>
             <a:endParaRPr lang="en-US" dirty="0"/>
           </a:p>
@@ -2798,7 +2798,7 @@
             <a:pPr rtl="0"/>
             <a:fld id="{85254269-30BB-4415-A3F6-02D389D24D09}" type="datetime1">
               <a:rPr lang="it-IT" smtClean="0"/>
-              <a:t>19/05/2020</a:t>
+              <a:t>21/05/2020</a:t>
             </a:fld>
             <a:endParaRPr lang="en-US" dirty="0"/>
           </a:p>
@@ -2896,7 +2896,7 @@
             <a:pPr rtl="0"/>
             <a:fld id="{60ACBBB0-50A8-412C-AC83-6C1A96035CC9}" type="datetime1">
               <a:rPr lang="it-IT" smtClean="0"/>
-              <a:t>19/05/2020</a:t>
+              <a:t>21/05/2020</a:t>
             </a:fld>
             <a:endParaRPr lang="en-US" dirty="0"/>
           </a:p>
@@ -3277,7 +3277,7 @@
             <a:pPr rtl="0"/>
             <a:fld id="{44D8AF99-1FFE-484F-999D-5C9E0DFBE297}" type="datetime1">
               <a:rPr lang="it-IT" smtClean="0"/>
-              <a:t>19/05/2020</a:t>
+              <a:t>21/05/2020</a:t>
             </a:fld>
             <a:endParaRPr lang="en-US" dirty="0"/>
           </a:p>
@@ -3575,7 +3575,7 @@
             <a:pPr rtl="0"/>
             <a:fld id="{8DCB91F3-7F1A-4CB0-9F29-9C199284DBA2}" type="datetime1">
               <a:rPr lang="it-IT" smtClean="0"/>
-              <a:t>19/05/2020</a:t>
+              <a:t>21/05/2020</a:t>
             </a:fld>
             <a:endParaRPr lang="en-US" dirty="0"/>
           </a:p>
@@ -3793,7 +3793,7 @@
             <a:pPr rtl="0"/>
             <a:fld id="{BAA6CE81-F21E-4C48-B40D-AB03A3BE863B}" type="datetime1">
               <a:rPr lang="it-IT" smtClean="0"/>
-              <a:t>19/05/2020</a:t>
+              <a:t>21/05/2020</a:t>
             </a:fld>
             <a:endParaRPr lang="en-US" dirty="0"/>
           </a:p>
@@ -5563,11 +5563,15 @@
             </a:r>
             <a:r>
               <a:rPr lang="it-IT" sz="4000" dirty="0" err="1"/>
-              <a:t>it’s</a:t>
+              <a:t>iS</a:t>
+            </a:r>
+            <a:r>
+              <a:rPr lang="it-IT" sz="4000"/>
+              <a:t> IT </a:t>
             </a:r>
             <a:r>
               <a:rPr lang="it-IT" sz="4000" dirty="0"/>
-              <a:t> for?</a:t>
+              <a:t>for?</a:t>
             </a:r>
           </a:p>
         </p:txBody>
